--- a/HTML/02 - CSS3/HTML CSS3.pptx
+++ b/HTML/02 - CSS3/HTML CSS3.pptx
@@ -308,7 +308,7 @@
           <a:p>
             <a:fld id="{8C0E481A-6A09-48DA-A8F0-C923B352291E}" type="datetimeFigureOut">
               <a:rPr lang="he-IL" smtClean="0"/>
-              <a:t>כ"ג/כסלו/תשע"ח</a:t>
+              <a:t>י'/טבת/תשע"ח</a:t>
             </a:fld>
             <a:endParaRPr lang="he-IL"/>
           </a:p>
@@ -583,7 +583,7 @@
           <a:p>
             <a:fld id="{8C0E481A-6A09-48DA-A8F0-C923B352291E}" type="datetimeFigureOut">
               <a:rPr lang="he-IL" smtClean="0"/>
-              <a:t>כ"ג/כסלו/תשע"ח</a:t>
+              <a:t>י'/טבת/תשע"ח</a:t>
             </a:fld>
             <a:endParaRPr lang="he-IL"/>
           </a:p>
@@ -777,7 +777,7 @@
           <a:p>
             <a:fld id="{8C0E481A-6A09-48DA-A8F0-C923B352291E}" type="datetimeFigureOut">
               <a:rPr lang="he-IL" smtClean="0"/>
-              <a:t>כ"ג/כסלו/תשע"ח</a:t>
+              <a:t>י'/טבת/תשע"ח</a:t>
             </a:fld>
             <a:endParaRPr lang="he-IL"/>
           </a:p>
@@ -1048,7 +1048,7 @@
           <a:p>
             <a:fld id="{8C0E481A-6A09-48DA-A8F0-C923B352291E}" type="datetimeFigureOut">
               <a:rPr lang="he-IL" smtClean="0"/>
-              <a:t>כ"ג/כסלו/תשע"ח</a:t>
+              <a:t>י'/טבת/תשע"ח</a:t>
             </a:fld>
             <a:endParaRPr lang="he-IL"/>
           </a:p>
@@ -1375,7 +1375,7 @@
           <a:p>
             <a:fld id="{8C0E481A-6A09-48DA-A8F0-C923B352291E}" type="datetimeFigureOut">
               <a:rPr lang="he-IL" smtClean="0"/>
-              <a:t>כ"ג/כסלו/תשע"ח</a:t>
+              <a:t>י'/טבת/תשע"ח</a:t>
             </a:fld>
             <a:endParaRPr lang="he-IL"/>
           </a:p>
@@ -1994,7 +1994,7 @@
           <a:p>
             <a:fld id="{8C0E481A-6A09-48DA-A8F0-C923B352291E}" type="datetimeFigureOut">
               <a:rPr lang="he-IL" smtClean="0"/>
-              <a:t>כ"ג/כסלו/תשע"ח</a:t>
+              <a:t>י'/טבת/תשע"ח</a:t>
             </a:fld>
             <a:endParaRPr lang="he-IL"/>
           </a:p>
@@ -2841,7 +2841,7 @@
           <a:p>
             <a:fld id="{8C0E481A-6A09-48DA-A8F0-C923B352291E}" type="datetimeFigureOut">
               <a:rPr lang="he-IL" smtClean="0"/>
-              <a:t>כ"ג/כסלו/תשע"ח</a:t>
+              <a:t>י'/טבת/תשע"ח</a:t>
             </a:fld>
             <a:endParaRPr lang="he-IL"/>
           </a:p>
@@ -3011,7 +3011,7 @@
           <a:p>
             <a:fld id="{8C0E481A-6A09-48DA-A8F0-C923B352291E}" type="datetimeFigureOut">
               <a:rPr lang="he-IL" smtClean="0"/>
-              <a:t>כ"ג/כסלו/תשע"ח</a:t>
+              <a:t>י'/טבת/תשע"ח</a:t>
             </a:fld>
             <a:endParaRPr lang="he-IL"/>
           </a:p>
@@ -3191,7 +3191,7 @@
           <a:p>
             <a:fld id="{8C0E481A-6A09-48DA-A8F0-C923B352291E}" type="datetimeFigureOut">
               <a:rPr lang="he-IL" smtClean="0"/>
-              <a:t>כ"ג/כסלו/תשע"ח</a:t>
+              <a:t>י'/טבת/תשע"ח</a:t>
             </a:fld>
             <a:endParaRPr lang="he-IL"/>
           </a:p>
@@ -3361,7 +3361,7 @@
           <a:p>
             <a:fld id="{8C0E481A-6A09-48DA-A8F0-C923B352291E}" type="datetimeFigureOut">
               <a:rPr lang="he-IL" smtClean="0"/>
-              <a:t>כ"ג/כסלו/תשע"ח</a:t>
+              <a:t>י'/טבת/תשע"ח</a:t>
             </a:fld>
             <a:endParaRPr lang="he-IL"/>
           </a:p>
@@ -3608,7 +3608,7 @@
           <a:p>
             <a:fld id="{8C0E481A-6A09-48DA-A8F0-C923B352291E}" type="datetimeFigureOut">
               <a:rPr lang="he-IL" smtClean="0"/>
-              <a:t>כ"ג/כסלו/תשע"ח</a:t>
+              <a:t>י'/טבת/תשע"ח</a:t>
             </a:fld>
             <a:endParaRPr lang="he-IL"/>
           </a:p>
@@ -3900,7 +3900,7 @@
           <a:p>
             <a:fld id="{8C0E481A-6A09-48DA-A8F0-C923B352291E}" type="datetimeFigureOut">
               <a:rPr lang="he-IL" smtClean="0"/>
-              <a:t>כ"ג/כסלו/תשע"ח</a:t>
+              <a:t>י'/טבת/תשע"ח</a:t>
             </a:fld>
             <a:endParaRPr lang="he-IL"/>
           </a:p>
@@ -4344,7 +4344,7 @@
           <a:p>
             <a:fld id="{8C0E481A-6A09-48DA-A8F0-C923B352291E}" type="datetimeFigureOut">
               <a:rPr lang="he-IL" smtClean="0"/>
-              <a:t>כ"ג/כסלו/תשע"ח</a:t>
+              <a:t>י'/טבת/תשע"ח</a:t>
             </a:fld>
             <a:endParaRPr lang="he-IL"/>
           </a:p>
@@ -4462,7 +4462,7 @@
           <a:p>
             <a:fld id="{8C0E481A-6A09-48DA-A8F0-C923B352291E}" type="datetimeFigureOut">
               <a:rPr lang="he-IL" smtClean="0"/>
-              <a:t>כ"ג/כסלו/תשע"ח</a:t>
+              <a:t>י'/טבת/תשע"ח</a:t>
             </a:fld>
             <a:endParaRPr lang="he-IL"/>
           </a:p>
@@ -4557,7 +4557,7 @@
           <a:p>
             <a:fld id="{8C0E481A-6A09-48DA-A8F0-C923B352291E}" type="datetimeFigureOut">
               <a:rPr lang="he-IL" smtClean="0"/>
-              <a:t>כ"ג/כסלו/תשע"ח</a:t>
+              <a:t>י'/טבת/תשע"ח</a:t>
             </a:fld>
             <a:endParaRPr lang="he-IL"/>
           </a:p>
@@ -4836,7 +4836,7 @@
           <a:p>
             <a:fld id="{8C0E481A-6A09-48DA-A8F0-C923B352291E}" type="datetimeFigureOut">
               <a:rPr lang="he-IL" smtClean="0"/>
-              <a:t>כ"ג/כסלו/תשע"ח</a:t>
+              <a:t>י'/טבת/תשע"ח</a:t>
             </a:fld>
             <a:endParaRPr lang="he-IL"/>
           </a:p>
@@ -5111,7 +5111,7 @@
           <a:p>
             <a:fld id="{8C0E481A-6A09-48DA-A8F0-C923B352291E}" type="datetimeFigureOut">
               <a:rPr lang="he-IL" smtClean="0"/>
-              <a:t>כ"ג/כסלו/תשע"ח</a:t>
+              <a:t>י'/טבת/תשע"ח</a:t>
             </a:fld>
             <a:endParaRPr lang="he-IL"/>
           </a:p>
@@ -5534,7 +5534,7 @@
           <a:p>
             <a:fld id="{8C0E481A-6A09-48DA-A8F0-C923B352291E}" type="datetimeFigureOut">
               <a:rPr lang="he-IL" smtClean="0"/>
-              <a:t>כ"ג/כסלו/תשע"ח</a:t>
+              <a:t>י'/טבת/תשע"ח</a:t>
             </a:fld>
             <a:endParaRPr lang="he-IL"/>
           </a:p>
@@ -6778,28 +6778,851 @@
           </a:p>
         </p:txBody>
       </p:sp>
-      <p:sp>
-        <p:nvSpPr>
-          <p:cNvPr id="3" name="מציין מיקום תוכן 2">
+      <p:graphicFrame>
+        <p:nvGraphicFramePr>
+          <p:cNvPr id="4" name="מציין מיקום תוכן 3">
             <a:extLst>
               <a:ext uri="{FF2B5EF4-FFF2-40B4-BE49-F238E27FC236}">
-                <a16:creationId xmlns:a16="http://schemas.microsoft.com/office/drawing/2014/main" id="{1982E47F-93A9-4BA8-8E40-D6323709F220}"/>
+                <a16:creationId xmlns:a16="http://schemas.microsoft.com/office/drawing/2014/main" id="{43523C8E-DE00-46A9-AC01-18FA418CBD20}"/>
               </a:ext>
             </a:extLst>
           </p:cNvPr>
-          <p:cNvSpPr>
-            <a:spLocks noGrp="1"/>
-          </p:cNvSpPr>
+          <p:cNvGraphicFramePr>
+            <a:graphicFrameLocks noGrp="1"/>
+          </p:cNvGraphicFramePr>
           <p:nvPr>
             <p:ph idx="1"/>
-          </p:nvPr>
-        </p:nvSpPr>
-        <p:spPr/>
-        <p:txBody>
-          <a:bodyPr/>
-          <a:lstStyle/>
-          <a:p>
-            <a:endParaRPr lang="he-IL"/>
+            <p:extLst>
+              <p:ext uri="{D42A27DB-BD31-4B8C-83A1-F6EECF244321}">
+                <p14:modId xmlns:p14="http://schemas.microsoft.com/office/powerpoint/2010/main" val="901147349"/>
+              </p:ext>
+            </p:extLst>
+          </p:nvPr>
+        </p:nvGraphicFramePr>
+        <p:xfrm>
+          <a:off x="2172457" y="2553513"/>
+          <a:ext cx="8947152" cy="2225040"/>
+        </p:xfrm>
+        <a:graphic>
+          <a:graphicData uri="http://schemas.openxmlformats.org/drawingml/2006/table">
+            <a:tbl>
+              <a:tblPr firstRow="1" bandRow="1">
+                <a:tableStyleId>{5C22544A-7EE6-4342-B048-85BDC9FD1C3A}</a:tableStyleId>
+              </a:tblPr>
+              <a:tblGrid>
+                <a:gridCol w="2236788">
+                  <a:extLst>
+                    <a:ext uri="{9D8B030D-6E8A-4147-A177-3AD203B41FA5}">
+                      <a16:colId xmlns:a16="http://schemas.microsoft.com/office/drawing/2014/main" val="1803585434"/>
+                    </a:ext>
+                  </a:extLst>
+                </a:gridCol>
+                <a:gridCol w="2236788">
+                  <a:extLst>
+                    <a:ext uri="{9D8B030D-6E8A-4147-A177-3AD203B41FA5}">
+                      <a16:colId xmlns:a16="http://schemas.microsoft.com/office/drawing/2014/main" val="1856073363"/>
+                    </a:ext>
+                  </a:extLst>
+                </a:gridCol>
+                <a:gridCol w="2236788">
+                  <a:extLst>
+                    <a:ext uri="{9D8B030D-6E8A-4147-A177-3AD203B41FA5}">
+                      <a16:colId xmlns:a16="http://schemas.microsoft.com/office/drawing/2014/main" val="2814998894"/>
+                    </a:ext>
+                  </a:extLst>
+                </a:gridCol>
+                <a:gridCol w="2236788">
+                  <a:extLst>
+                    <a:ext uri="{9D8B030D-6E8A-4147-A177-3AD203B41FA5}">
+                      <a16:colId xmlns:a16="http://schemas.microsoft.com/office/drawing/2014/main" val="3295645582"/>
+                    </a:ext>
+                  </a:extLst>
+                </a:gridCol>
+              </a:tblGrid>
+              <a:tr h="370840">
+                <a:tc>
+                  <a:txBody>
+                    <a:bodyPr/>
+                    <a:lstStyle/>
+                    <a:p>
+                      <a:endParaRPr lang="en-US" dirty="0"/>
+                    </a:p>
+                  </a:txBody>
+                  <a:tcPr/>
+                </a:tc>
+                <a:tc>
+                  <a:txBody>
+                    <a:bodyPr/>
+                    <a:lstStyle/>
+                    <a:p>
+                      <a:endParaRPr lang="en-US"/>
+                    </a:p>
+                  </a:txBody>
+                  <a:tcPr/>
+                </a:tc>
+                <a:tc>
+                  <a:txBody>
+                    <a:bodyPr/>
+                    <a:lstStyle/>
+                    <a:p>
+                      <a:endParaRPr lang="en-US"/>
+                    </a:p>
+                  </a:txBody>
+                  <a:tcPr/>
+                </a:tc>
+                <a:tc>
+                  <a:txBody>
+                    <a:bodyPr/>
+                    <a:lstStyle/>
+                    <a:p>
+                      <a:endParaRPr lang="en-US"/>
+                    </a:p>
+                  </a:txBody>
+                  <a:tcPr/>
+                </a:tc>
+                <a:extLst>
+                  <a:ext uri="{0D108BD9-81ED-4DB2-BD59-A6C34878D82A}">
+                    <a16:rowId xmlns:a16="http://schemas.microsoft.com/office/drawing/2014/main" val="1424601848"/>
+                  </a:ext>
+                </a:extLst>
+              </a:tr>
+              <a:tr h="370840">
+                <a:tc>
+                  <a:txBody>
+                    <a:bodyPr/>
+                    <a:lstStyle/>
+                    <a:p>
+                      <a:endParaRPr lang="en-US"/>
+                    </a:p>
+                  </a:txBody>
+                  <a:tcPr/>
+                </a:tc>
+                <a:tc>
+                  <a:txBody>
+                    <a:bodyPr/>
+                    <a:lstStyle/>
+                    <a:p>
+                      <a:endParaRPr lang="en-US"/>
+                    </a:p>
+                  </a:txBody>
+                  <a:tcPr/>
+                </a:tc>
+                <a:tc>
+                  <a:txBody>
+                    <a:bodyPr/>
+                    <a:lstStyle/>
+                    <a:p>
+                      <a:endParaRPr lang="en-US"/>
+                    </a:p>
+                  </a:txBody>
+                  <a:tcPr/>
+                </a:tc>
+                <a:tc>
+                  <a:txBody>
+                    <a:bodyPr/>
+                    <a:lstStyle/>
+                    <a:p>
+                      <a:endParaRPr lang="en-US"/>
+                    </a:p>
+                  </a:txBody>
+                  <a:tcPr/>
+                </a:tc>
+                <a:extLst>
+                  <a:ext uri="{0D108BD9-81ED-4DB2-BD59-A6C34878D82A}">
+                    <a16:rowId xmlns:a16="http://schemas.microsoft.com/office/drawing/2014/main" val="232552542"/>
+                  </a:ext>
+                </a:extLst>
+              </a:tr>
+              <a:tr h="370840">
+                <a:tc>
+                  <a:txBody>
+                    <a:bodyPr/>
+                    <a:lstStyle/>
+                    <a:p>
+                      <a:endParaRPr lang="en-US"/>
+                    </a:p>
+                  </a:txBody>
+                  <a:tcPr/>
+                </a:tc>
+                <a:tc>
+                  <a:txBody>
+                    <a:bodyPr/>
+                    <a:lstStyle/>
+                    <a:p>
+                      <a:endParaRPr lang="en-US"/>
+                    </a:p>
+                  </a:txBody>
+                  <a:tcPr/>
+                </a:tc>
+                <a:tc>
+                  <a:txBody>
+                    <a:bodyPr/>
+                    <a:lstStyle/>
+                    <a:p>
+                      <a:endParaRPr lang="en-US"/>
+                    </a:p>
+                  </a:txBody>
+                  <a:tcPr/>
+                </a:tc>
+                <a:tc>
+                  <a:txBody>
+                    <a:bodyPr/>
+                    <a:lstStyle/>
+                    <a:p>
+                      <a:endParaRPr lang="en-US"/>
+                    </a:p>
+                  </a:txBody>
+                  <a:tcPr/>
+                </a:tc>
+                <a:extLst>
+                  <a:ext uri="{0D108BD9-81ED-4DB2-BD59-A6C34878D82A}">
+                    <a16:rowId xmlns:a16="http://schemas.microsoft.com/office/drawing/2014/main" val="3250000189"/>
+                  </a:ext>
+                </a:extLst>
+              </a:tr>
+              <a:tr h="370840">
+                <a:tc>
+                  <a:txBody>
+                    <a:bodyPr/>
+                    <a:lstStyle/>
+                    <a:p>
+                      <a:endParaRPr lang="en-US"/>
+                    </a:p>
+                  </a:txBody>
+                  <a:tcPr/>
+                </a:tc>
+                <a:tc>
+                  <a:txBody>
+                    <a:bodyPr/>
+                    <a:lstStyle/>
+                    <a:p>
+                      <a:endParaRPr lang="en-US"/>
+                    </a:p>
+                  </a:txBody>
+                  <a:tcPr/>
+                </a:tc>
+                <a:tc>
+                  <a:txBody>
+                    <a:bodyPr/>
+                    <a:lstStyle/>
+                    <a:p>
+                      <a:endParaRPr lang="en-US"/>
+                    </a:p>
+                  </a:txBody>
+                  <a:tcPr/>
+                </a:tc>
+                <a:tc>
+                  <a:txBody>
+                    <a:bodyPr/>
+                    <a:lstStyle/>
+                    <a:p>
+                      <a:endParaRPr lang="en-US"/>
+                    </a:p>
+                  </a:txBody>
+                  <a:tcPr/>
+                </a:tc>
+                <a:extLst>
+                  <a:ext uri="{0D108BD9-81ED-4DB2-BD59-A6C34878D82A}">
+                    <a16:rowId xmlns:a16="http://schemas.microsoft.com/office/drawing/2014/main" val="1447731426"/>
+                  </a:ext>
+                </a:extLst>
+              </a:tr>
+              <a:tr h="370840">
+                <a:tc>
+                  <a:txBody>
+                    <a:bodyPr/>
+                    <a:lstStyle/>
+                    <a:p>
+                      <a:endParaRPr lang="en-US"/>
+                    </a:p>
+                  </a:txBody>
+                  <a:tcPr/>
+                </a:tc>
+                <a:tc>
+                  <a:txBody>
+                    <a:bodyPr/>
+                    <a:lstStyle/>
+                    <a:p>
+                      <a:endParaRPr lang="en-US"/>
+                    </a:p>
+                  </a:txBody>
+                  <a:tcPr/>
+                </a:tc>
+                <a:tc>
+                  <a:txBody>
+                    <a:bodyPr/>
+                    <a:lstStyle/>
+                    <a:p>
+                      <a:endParaRPr lang="en-US"/>
+                    </a:p>
+                  </a:txBody>
+                  <a:tcPr/>
+                </a:tc>
+                <a:tc>
+                  <a:txBody>
+                    <a:bodyPr/>
+                    <a:lstStyle/>
+                    <a:p>
+                      <a:endParaRPr lang="en-US"/>
+                    </a:p>
+                  </a:txBody>
+                  <a:tcPr/>
+                </a:tc>
+                <a:extLst>
+                  <a:ext uri="{0D108BD9-81ED-4DB2-BD59-A6C34878D82A}">
+                    <a16:rowId xmlns:a16="http://schemas.microsoft.com/office/drawing/2014/main" val="1683212777"/>
+                  </a:ext>
+                </a:extLst>
+              </a:tr>
+              <a:tr h="370840">
+                <a:tc>
+                  <a:txBody>
+                    <a:bodyPr/>
+                    <a:lstStyle/>
+                    <a:p>
+                      <a:endParaRPr lang="en-US" dirty="0"/>
+                    </a:p>
+                  </a:txBody>
+                  <a:tcPr/>
+                </a:tc>
+                <a:tc>
+                  <a:txBody>
+                    <a:bodyPr/>
+                    <a:lstStyle/>
+                    <a:p>
+                      <a:endParaRPr lang="en-US"/>
+                    </a:p>
+                  </a:txBody>
+                  <a:tcPr/>
+                </a:tc>
+                <a:tc>
+                  <a:txBody>
+                    <a:bodyPr/>
+                    <a:lstStyle/>
+                    <a:p>
+                      <a:endParaRPr lang="en-US"/>
+                    </a:p>
+                  </a:txBody>
+                  <a:tcPr/>
+                </a:tc>
+                <a:tc>
+                  <a:txBody>
+                    <a:bodyPr/>
+                    <a:lstStyle/>
+                    <a:p>
+                      <a:endParaRPr lang="en-US" dirty="0"/>
+                    </a:p>
+                  </a:txBody>
+                  <a:tcPr/>
+                </a:tc>
+                <a:extLst>
+                  <a:ext uri="{0D108BD9-81ED-4DB2-BD59-A6C34878D82A}">
+                    <a16:rowId xmlns:a16="http://schemas.microsoft.com/office/drawing/2014/main" val="4153289566"/>
+                  </a:ext>
+                </a:extLst>
+              </a:tr>
+            </a:tbl>
+          </a:graphicData>
+        </a:graphic>
+      </p:graphicFrame>
+      <p:sp>
+        <p:nvSpPr>
+          <p:cNvPr id="5" name="מלבן: פינות מעוגלות 4">
+            <a:extLst>
+              <a:ext uri="{FF2B5EF4-FFF2-40B4-BE49-F238E27FC236}">
+                <a16:creationId xmlns:a16="http://schemas.microsoft.com/office/drawing/2014/main" id="{33E78C9F-C73D-4C12-BCF6-7ADFDE64D6C2}"/>
+              </a:ext>
+            </a:extLst>
+          </p:cNvPr>
+          <p:cNvSpPr/>
+          <p:nvPr/>
+        </p:nvSpPr>
+        <p:spPr>
+          <a:xfrm>
+            <a:off x="1187719" y="1265524"/>
+            <a:ext cx="1294228" cy="393895"/>
+          </a:xfrm>
+          <a:prstGeom prst="roundRect">
+            <a:avLst/>
+          </a:prstGeom>
+        </p:spPr>
+        <p:style>
+          <a:lnRef idx="2">
+            <a:schemeClr val="accent5"/>
+          </a:lnRef>
+          <a:fillRef idx="1">
+            <a:schemeClr val="lt1"/>
+          </a:fillRef>
+          <a:effectRef idx="0">
+            <a:schemeClr val="accent5"/>
+          </a:effectRef>
+          <a:fontRef idx="minor">
+            <a:schemeClr val="dk1"/>
+          </a:fontRef>
+        </p:style>
+        <p:txBody>
+          <a:bodyPr rtlCol="0" anchor="ctr"/>
+          <a:lstStyle/>
+          <a:p>
+            <a:pPr algn="ctr"/>
+            <a:r>
+              <a:rPr lang="en-US" dirty="0"/>
+              <a:t>&lt;table&gt;</a:t>
+            </a:r>
+          </a:p>
+        </p:txBody>
+      </p:sp>
+      <p:grpSp>
+        <p:nvGrpSpPr>
+          <p:cNvPr id="12" name="קבוצה 11">
+            <a:extLst>
+              <a:ext uri="{FF2B5EF4-FFF2-40B4-BE49-F238E27FC236}">
+                <a16:creationId xmlns:a16="http://schemas.microsoft.com/office/drawing/2014/main" id="{01DBA505-670B-4672-BBC9-E63F156A0842}"/>
+              </a:ext>
+            </a:extLst>
+          </p:cNvPr>
+          <p:cNvGrpSpPr/>
+          <p:nvPr/>
+        </p:nvGrpSpPr>
+        <p:grpSpPr>
+          <a:xfrm>
+            <a:off x="425277" y="2553513"/>
+            <a:ext cx="1294228" cy="2225040"/>
+            <a:chOff x="425277" y="2469106"/>
+            <a:chExt cx="1294228" cy="2389163"/>
+          </a:xfrm>
+        </p:grpSpPr>
+        <p:sp>
+          <p:nvSpPr>
+            <p:cNvPr id="6" name="מלבן: פינות מעוגלות 5">
+              <a:extLst>
+                <a:ext uri="{FF2B5EF4-FFF2-40B4-BE49-F238E27FC236}">
+                  <a16:creationId xmlns:a16="http://schemas.microsoft.com/office/drawing/2014/main" id="{5620DAE0-88B0-43B0-9962-9CD9DCF1D475}"/>
+                </a:ext>
+              </a:extLst>
+            </p:cNvPr>
+            <p:cNvSpPr/>
+            <p:nvPr/>
+          </p:nvSpPr>
+          <p:spPr>
+            <a:xfrm>
+              <a:off x="425277" y="2469106"/>
+              <a:ext cx="1294228" cy="393895"/>
+            </a:xfrm>
+            <a:prstGeom prst="roundRect">
+              <a:avLst/>
+            </a:prstGeom>
+          </p:spPr>
+          <p:style>
+            <a:lnRef idx="2">
+              <a:schemeClr val="accent5"/>
+            </a:lnRef>
+            <a:fillRef idx="1">
+              <a:schemeClr val="lt1"/>
+            </a:fillRef>
+            <a:effectRef idx="0">
+              <a:schemeClr val="accent5"/>
+            </a:effectRef>
+            <a:fontRef idx="minor">
+              <a:schemeClr val="dk1"/>
+            </a:fontRef>
+          </p:style>
+          <p:txBody>
+            <a:bodyPr rtlCol="0" anchor="ctr"/>
+            <a:lstStyle/>
+            <a:p>
+              <a:pPr algn="ctr"/>
+              <a:r>
+                <a:rPr lang="en-US" dirty="0"/>
+                <a:t>&lt;</a:t>
+              </a:r>
+              <a:r>
+                <a:rPr lang="en-US" dirty="0" err="1"/>
+                <a:t>tr</a:t>
+              </a:r>
+              <a:r>
+                <a:rPr lang="en-US" dirty="0"/>
+                <a:t>&gt;</a:t>
+              </a:r>
+            </a:p>
+          </p:txBody>
+        </p:sp>
+        <p:sp>
+          <p:nvSpPr>
+            <p:cNvPr id="7" name="מלבן: פינות מעוגלות 6">
+              <a:extLst>
+                <a:ext uri="{FF2B5EF4-FFF2-40B4-BE49-F238E27FC236}">
+                  <a16:creationId xmlns:a16="http://schemas.microsoft.com/office/drawing/2014/main" id="{D1B307D3-F054-489B-8BB7-DEB4D604749E}"/>
+                </a:ext>
+              </a:extLst>
+            </p:cNvPr>
+            <p:cNvSpPr/>
+            <p:nvPr/>
+          </p:nvSpPr>
+          <p:spPr>
+            <a:xfrm>
+              <a:off x="425277" y="2863001"/>
+              <a:ext cx="1294228" cy="393895"/>
+            </a:xfrm>
+            <a:prstGeom prst="roundRect">
+              <a:avLst/>
+            </a:prstGeom>
+          </p:spPr>
+          <p:style>
+            <a:lnRef idx="2">
+              <a:schemeClr val="accent5"/>
+            </a:lnRef>
+            <a:fillRef idx="1">
+              <a:schemeClr val="lt1"/>
+            </a:fillRef>
+            <a:effectRef idx="0">
+              <a:schemeClr val="accent5"/>
+            </a:effectRef>
+            <a:fontRef idx="minor">
+              <a:schemeClr val="dk1"/>
+            </a:fontRef>
+          </p:style>
+          <p:txBody>
+            <a:bodyPr rtlCol="0" anchor="ctr"/>
+            <a:lstStyle/>
+            <a:p>
+              <a:pPr algn="ctr"/>
+              <a:r>
+                <a:rPr lang="en-US" dirty="0"/>
+                <a:t>&lt;</a:t>
+              </a:r>
+              <a:r>
+                <a:rPr lang="en-US" dirty="0" err="1"/>
+                <a:t>tr</a:t>
+              </a:r>
+              <a:r>
+                <a:rPr lang="en-US" dirty="0"/>
+                <a:t>&gt;</a:t>
+              </a:r>
+            </a:p>
+          </p:txBody>
+        </p:sp>
+        <p:sp>
+          <p:nvSpPr>
+            <p:cNvPr id="8" name="מלבן: פינות מעוגלות 7">
+              <a:extLst>
+                <a:ext uri="{FF2B5EF4-FFF2-40B4-BE49-F238E27FC236}">
+                  <a16:creationId xmlns:a16="http://schemas.microsoft.com/office/drawing/2014/main" id="{061AD147-C436-4255-A052-1DF211C4328F}"/>
+                </a:ext>
+              </a:extLst>
+            </p:cNvPr>
+            <p:cNvSpPr/>
+            <p:nvPr/>
+          </p:nvSpPr>
+          <p:spPr>
+            <a:xfrm>
+              <a:off x="425277" y="3282689"/>
+              <a:ext cx="1294228" cy="393895"/>
+            </a:xfrm>
+            <a:prstGeom prst="roundRect">
+              <a:avLst/>
+            </a:prstGeom>
+          </p:spPr>
+          <p:style>
+            <a:lnRef idx="2">
+              <a:schemeClr val="accent5"/>
+            </a:lnRef>
+            <a:fillRef idx="1">
+              <a:schemeClr val="lt1"/>
+            </a:fillRef>
+            <a:effectRef idx="0">
+              <a:schemeClr val="accent5"/>
+            </a:effectRef>
+            <a:fontRef idx="minor">
+              <a:schemeClr val="dk1"/>
+            </a:fontRef>
+          </p:style>
+          <p:txBody>
+            <a:bodyPr rtlCol="0" anchor="ctr"/>
+            <a:lstStyle/>
+            <a:p>
+              <a:pPr algn="ctr"/>
+              <a:r>
+                <a:rPr lang="en-US" dirty="0"/>
+                <a:t>&lt;</a:t>
+              </a:r>
+              <a:r>
+                <a:rPr lang="en-US" dirty="0" err="1"/>
+                <a:t>tr</a:t>
+              </a:r>
+              <a:r>
+                <a:rPr lang="en-US" dirty="0"/>
+                <a:t>&gt;</a:t>
+              </a:r>
+            </a:p>
+          </p:txBody>
+        </p:sp>
+        <p:sp>
+          <p:nvSpPr>
+            <p:cNvPr id="9" name="מלבן: פינות מעוגלות 8">
+              <a:extLst>
+                <a:ext uri="{FF2B5EF4-FFF2-40B4-BE49-F238E27FC236}">
+                  <a16:creationId xmlns:a16="http://schemas.microsoft.com/office/drawing/2014/main" id="{A7AD3FE3-687A-426D-A6D0-FF379DF51497}"/>
+                </a:ext>
+              </a:extLst>
+            </p:cNvPr>
+            <p:cNvSpPr/>
+            <p:nvPr/>
+          </p:nvSpPr>
+          <p:spPr>
+            <a:xfrm>
+              <a:off x="425277" y="3676584"/>
+              <a:ext cx="1294228" cy="393895"/>
+            </a:xfrm>
+            <a:prstGeom prst="roundRect">
+              <a:avLst/>
+            </a:prstGeom>
+          </p:spPr>
+          <p:style>
+            <a:lnRef idx="2">
+              <a:schemeClr val="accent5"/>
+            </a:lnRef>
+            <a:fillRef idx="1">
+              <a:schemeClr val="lt1"/>
+            </a:fillRef>
+            <a:effectRef idx="0">
+              <a:schemeClr val="accent5"/>
+            </a:effectRef>
+            <a:fontRef idx="minor">
+              <a:schemeClr val="dk1"/>
+            </a:fontRef>
+          </p:style>
+          <p:txBody>
+            <a:bodyPr rtlCol="0" anchor="ctr"/>
+            <a:lstStyle/>
+            <a:p>
+              <a:pPr algn="ctr"/>
+              <a:r>
+                <a:rPr lang="en-US" dirty="0"/>
+                <a:t>&lt;</a:t>
+              </a:r>
+              <a:r>
+                <a:rPr lang="en-US" dirty="0" err="1"/>
+                <a:t>tr</a:t>
+              </a:r>
+              <a:r>
+                <a:rPr lang="en-US" dirty="0"/>
+                <a:t>&gt;</a:t>
+              </a:r>
+            </a:p>
+          </p:txBody>
+        </p:sp>
+        <p:sp>
+          <p:nvSpPr>
+            <p:cNvPr id="10" name="מלבן: פינות מעוגלות 9">
+              <a:extLst>
+                <a:ext uri="{FF2B5EF4-FFF2-40B4-BE49-F238E27FC236}">
+                  <a16:creationId xmlns:a16="http://schemas.microsoft.com/office/drawing/2014/main" id="{1CBA7761-E198-4004-A7EE-3738DF5BBFBA}"/>
+                </a:ext>
+              </a:extLst>
+            </p:cNvPr>
+            <p:cNvSpPr/>
+            <p:nvPr/>
+          </p:nvSpPr>
+          <p:spPr>
+            <a:xfrm>
+              <a:off x="425277" y="4070479"/>
+              <a:ext cx="1294228" cy="393895"/>
+            </a:xfrm>
+            <a:prstGeom prst="roundRect">
+              <a:avLst/>
+            </a:prstGeom>
+          </p:spPr>
+          <p:style>
+            <a:lnRef idx="2">
+              <a:schemeClr val="accent5"/>
+            </a:lnRef>
+            <a:fillRef idx="1">
+              <a:schemeClr val="lt1"/>
+            </a:fillRef>
+            <a:effectRef idx="0">
+              <a:schemeClr val="accent5"/>
+            </a:effectRef>
+            <a:fontRef idx="minor">
+              <a:schemeClr val="dk1"/>
+            </a:fontRef>
+          </p:style>
+          <p:txBody>
+            <a:bodyPr rtlCol="0" anchor="ctr"/>
+            <a:lstStyle/>
+            <a:p>
+              <a:pPr algn="ctr"/>
+              <a:r>
+                <a:rPr lang="en-US" dirty="0"/>
+                <a:t>&lt;</a:t>
+              </a:r>
+              <a:r>
+                <a:rPr lang="en-US" dirty="0" err="1"/>
+                <a:t>tr</a:t>
+              </a:r>
+              <a:r>
+                <a:rPr lang="en-US" dirty="0"/>
+                <a:t>&gt;</a:t>
+              </a:r>
+            </a:p>
+          </p:txBody>
+        </p:sp>
+        <p:sp>
+          <p:nvSpPr>
+            <p:cNvPr id="11" name="מלבן: פינות מעוגלות 10">
+              <a:extLst>
+                <a:ext uri="{FF2B5EF4-FFF2-40B4-BE49-F238E27FC236}">
+                  <a16:creationId xmlns:a16="http://schemas.microsoft.com/office/drawing/2014/main" id="{EAC278C5-C01A-4EC0-93AA-80A89FB0D350}"/>
+                </a:ext>
+              </a:extLst>
+            </p:cNvPr>
+            <p:cNvSpPr/>
+            <p:nvPr/>
+          </p:nvSpPr>
+          <p:spPr>
+            <a:xfrm>
+              <a:off x="425277" y="4464374"/>
+              <a:ext cx="1294228" cy="393895"/>
+            </a:xfrm>
+            <a:prstGeom prst="roundRect">
+              <a:avLst/>
+            </a:prstGeom>
+          </p:spPr>
+          <p:style>
+            <a:lnRef idx="2">
+              <a:schemeClr val="accent5"/>
+            </a:lnRef>
+            <a:fillRef idx="1">
+              <a:schemeClr val="lt1"/>
+            </a:fillRef>
+            <a:effectRef idx="0">
+              <a:schemeClr val="accent5"/>
+            </a:effectRef>
+            <a:fontRef idx="minor">
+              <a:schemeClr val="dk1"/>
+            </a:fontRef>
+          </p:style>
+          <p:txBody>
+            <a:bodyPr rtlCol="0" anchor="ctr"/>
+            <a:lstStyle/>
+            <a:p>
+              <a:pPr algn="ctr"/>
+              <a:r>
+                <a:rPr lang="en-US" dirty="0"/>
+                <a:t>&lt;</a:t>
+              </a:r>
+              <a:r>
+                <a:rPr lang="en-US" dirty="0" err="1"/>
+                <a:t>tr</a:t>
+              </a:r>
+              <a:r>
+                <a:rPr lang="en-US" dirty="0"/>
+                <a:t>&gt;</a:t>
+              </a:r>
+            </a:p>
+          </p:txBody>
+        </p:sp>
+      </p:grpSp>
+      <p:sp>
+        <p:nvSpPr>
+          <p:cNvPr id="13" name="מלבן: פינות מעוגלות 12">
+            <a:extLst>
+              <a:ext uri="{FF2B5EF4-FFF2-40B4-BE49-F238E27FC236}">
+                <a16:creationId xmlns:a16="http://schemas.microsoft.com/office/drawing/2014/main" id="{A9A75201-D770-44DE-8D01-0E06AF55370F}"/>
+              </a:ext>
+            </a:extLst>
+          </p:cNvPr>
+          <p:cNvSpPr/>
+          <p:nvPr/>
+        </p:nvSpPr>
+        <p:spPr>
+          <a:xfrm>
+            <a:off x="2676549" y="2555168"/>
+            <a:ext cx="1234269" cy="244303"/>
+          </a:xfrm>
+          <a:prstGeom prst="roundRect">
+            <a:avLst/>
+          </a:prstGeom>
+        </p:spPr>
+        <p:style>
+          <a:lnRef idx="2">
+            <a:schemeClr val="accent5"/>
+          </a:lnRef>
+          <a:fillRef idx="1">
+            <a:schemeClr val="lt1"/>
+          </a:fillRef>
+          <a:effectRef idx="0">
+            <a:schemeClr val="accent5"/>
+          </a:effectRef>
+          <a:fontRef idx="minor">
+            <a:schemeClr val="dk1"/>
+          </a:fontRef>
+        </p:style>
+        <p:txBody>
+          <a:bodyPr rtlCol="0" anchor="ctr"/>
+          <a:lstStyle/>
+          <a:p>
+            <a:pPr algn="ctr"/>
+            <a:r>
+              <a:rPr lang="en-US" sz="1400" dirty="0"/>
+              <a:t>&lt;</a:t>
+            </a:r>
+            <a:r>
+              <a:rPr lang="en-US" sz="1400" dirty="0" err="1"/>
+              <a:t>th</a:t>
+            </a:r>
+            <a:r>
+              <a:rPr lang="en-US" sz="1400" dirty="0"/>
+              <a:t>&gt;</a:t>
+            </a:r>
+          </a:p>
+        </p:txBody>
+      </p:sp>
+      <p:sp>
+        <p:nvSpPr>
+          <p:cNvPr id="14" name="מלבן: פינות מעוגלות 13">
+            <a:extLst>
+              <a:ext uri="{FF2B5EF4-FFF2-40B4-BE49-F238E27FC236}">
+                <a16:creationId xmlns:a16="http://schemas.microsoft.com/office/drawing/2014/main" id="{E46AD404-2917-4E26-9B2D-1F932FB22BD2}"/>
+              </a:ext>
+            </a:extLst>
+          </p:cNvPr>
+          <p:cNvSpPr/>
+          <p:nvPr/>
+        </p:nvSpPr>
+        <p:spPr>
+          <a:xfrm>
+            <a:off x="2676548" y="2981615"/>
+            <a:ext cx="1234269" cy="244303"/>
+          </a:xfrm>
+          <a:prstGeom prst="roundRect">
+            <a:avLst/>
+          </a:prstGeom>
+        </p:spPr>
+        <p:style>
+          <a:lnRef idx="2">
+            <a:schemeClr val="accent5"/>
+          </a:lnRef>
+          <a:fillRef idx="1">
+            <a:schemeClr val="lt1"/>
+          </a:fillRef>
+          <a:effectRef idx="0">
+            <a:schemeClr val="accent5"/>
+          </a:effectRef>
+          <a:fontRef idx="minor">
+            <a:schemeClr val="dk1"/>
+          </a:fontRef>
+        </p:style>
+        <p:txBody>
+          <a:bodyPr rtlCol="0" anchor="ctr"/>
+          <a:lstStyle/>
+          <a:p>
+            <a:pPr algn="ctr"/>
+            <a:r>
+              <a:rPr lang="en-US" sz="1400"/>
+              <a:t>&lt;td&gt;</a:t>
+            </a:r>
+            <a:endParaRPr lang="en-US" sz="1400" dirty="0"/>
           </a:p>
         </p:txBody>
       </p:sp>

--- a/HTML/02 - CSS3/HTML CSS3.pptx
+++ b/HTML/02 - CSS3/HTML CSS3.pptx
@@ -9,9 +9,11 @@
     <p:sldId id="257" r:id="rId3"/>
     <p:sldId id="261" r:id="rId4"/>
     <p:sldId id="258" r:id="rId5"/>
-    <p:sldId id="259" r:id="rId6"/>
-    <p:sldId id="262" r:id="rId7"/>
-    <p:sldId id="260" r:id="rId8"/>
+    <p:sldId id="263" r:id="rId6"/>
+    <p:sldId id="259" r:id="rId7"/>
+    <p:sldId id="264" r:id="rId8"/>
+    <p:sldId id="262" r:id="rId9"/>
+    <p:sldId id="260" r:id="rId10"/>
   </p:sldIdLst>
   <p:sldSz cx="12192000" cy="6858000"/>
   <p:notesSz cx="6858000" cy="9144000"/>
@@ -6653,6 +6655,122 @@
           <a:p>
             <a:r>
               <a:rPr lang="en-US" dirty="0"/>
+              <a:t>CSS - positions</a:t>
+            </a:r>
+            <a:endParaRPr lang="he-IL" dirty="0"/>
+          </a:p>
+        </p:txBody>
+      </p:sp>
+      <p:sp>
+        <p:nvSpPr>
+          <p:cNvPr id="3" name="מציין מיקום תוכן 2">
+            <a:extLst>
+              <a:ext uri="{FF2B5EF4-FFF2-40B4-BE49-F238E27FC236}">
+                <a16:creationId xmlns:a16="http://schemas.microsoft.com/office/drawing/2014/main" id="{BC435BA6-1C82-4B21-B6CF-895F53BE234C}"/>
+              </a:ext>
+            </a:extLst>
+          </p:cNvPr>
+          <p:cNvSpPr>
+            <a:spLocks noGrp="1"/>
+          </p:cNvSpPr>
+          <p:nvPr>
+            <p:ph idx="1"/>
+          </p:nvPr>
+        </p:nvSpPr>
+        <p:spPr/>
+        <p:txBody>
+          <a:bodyPr/>
+          <a:lstStyle/>
+          <a:p>
+            <a:pPr algn="l" rtl="0"/>
+            <a:r>
+              <a:rPr lang="en-US" dirty="0"/>
+              <a:t>Static – default</a:t>
+            </a:r>
+          </a:p>
+          <a:p>
+            <a:pPr algn="l" rtl="0"/>
+            <a:r>
+              <a:rPr lang="en-US" dirty="0"/>
+              <a:t>Fixed – fixed on window</a:t>
+            </a:r>
+          </a:p>
+          <a:p>
+            <a:pPr algn="l" rtl="0"/>
+            <a:r>
+              <a:rPr lang="en-US" dirty="0"/>
+              <a:t>Relative – relative to the position (div is still taking its place)</a:t>
+            </a:r>
+          </a:p>
+          <a:p>
+            <a:pPr algn="l" rtl="0"/>
+            <a:r>
+              <a:rPr lang="en-US" dirty="0"/>
+              <a:t>Absolute - the element is positioned relative to its first positioned parent, and don’t take space</a:t>
+            </a:r>
+          </a:p>
+          <a:p>
+            <a:pPr algn="l" rtl="0"/>
+            <a:r>
+              <a:rPr lang="en-US" dirty="0"/>
+              <a:t>Sticky – cool new feature (https://www.w3schools.com/cssref/tryit.asp?filename=trycss_position_sticky)</a:t>
+            </a:r>
+          </a:p>
+        </p:txBody>
+      </p:sp>
+    </p:spTree>
+    <p:extLst>
+      <p:ext uri="{BB962C8B-B14F-4D97-AF65-F5344CB8AC3E}">
+        <p14:creationId xmlns:p14="http://schemas.microsoft.com/office/powerpoint/2010/main" val="4158079558"/>
+      </p:ext>
+    </p:extLst>
+  </p:cSld>
+  <p:clrMapOvr>
+    <a:masterClrMapping/>
+  </p:clrMapOvr>
+</p:sld>
+</file>
+
+<file path=ppt/slides/slide6.xml><?xml version="1.0" encoding="utf-8"?>
+<p:sld xmlns:a="http://schemas.openxmlformats.org/drawingml/2006/main" xmlns:r="http://schemas.openxmlformats.org/officeDocument/2006/relationships" xmlns:p="http://schemas.openxmlformats.org/presentationml/2006/main">
+  <p:cSld>
+    <p:spTree>
+      <p:nvGrpSpPr>
+        <p:cNvPr id="1" name=""/>
+        <p:cNvGrpSpPr/>
+        <p:nvPr/>
+      </p:nvGrpSpPr>
+      <p:grpSpPr>
+        <a:xfrm>
+          <a:off x="0" y="0"/>
+          <a:ext cx="0" cy="0"/>
+          <a:chOff x="0" y="0"/>
+          <a:chExt cx="0" cy="0"/>
+        </a:xfrm>
+      </p:grpSpPr>
+      <p:sp>
+        <p:nvSpPr>
+          <p:cNvPr id="2" name="כותרת 1">
+            <a:extLst>
+              <a:ext uri="{FF2B5EF4-FFF2-40B4-BE49-F238E27FC236}">
+                <a16:creationId xmlns:a16="http://schemas.microsoft.com/office/drawing/2014/main" id="{C26C86FC-F1CD-49E1-831A-6C50BD2138A9}"/>
+              </a:ext>
+            </a:extLst>
+          </p:cNvPr>
+          <p:cNvSpPr>
+            <a:spLocks noGrp="1"/>
+          </p:cNvSpPr>
+          <p:nvPr>
+            <p:ph type="title"/>
+          </p:nvPr>
+        </p:nvSpPr>
+        <p:spPr/>
+        <p:txBody>
+          <a:bodyPr/>
+          <a:lstStyle/>
+          <a:p>
+            <a:r>
+              <a:rPr lang="en-US" dirty="0"/>
               <a:t>CSS – positions (workout)</a:t>
             </a:r>
             <a:endParaRPr lang="he-IL" dirty="0"/>
@@ -6732,7 +6850,95 @@
 </p:sld>
 </file>
 
-<file path=ppt/slides/slide6.xml><?xml version="1.0" encoding="utf-8"?>
+<file path=ppt/slides/slide7.xml><?xml version="1.0" encoding="utf-8"?>
+<p:sld xmlns:a="http://schemas.openxmlformats.org/drawingml/2006/main" xmlns:r="http://schemas.openxmlformats.org/officeDocument/2006/relationships" xmlns:p="http://schemas.openxmlformats.org/presentationml/2006/main">
+  <p:cSld>
+    <p:spTree>
+      <p:nvGrpSpPr>
+        <p:cNvPr id="1" name=""/>
+        <p:cNvGrpSpPr/>
+        <p:nvPr/>
+      </p:nvGrpSpPr>
+      <p:grpSpPr>
+        <a:xfrm>
+          <a:off x="0" y="0"/>
+          <a:ext cx="0" cy="0"/>
+          <a:chOff x="0" y="0"/>
+          <a:chExt cx="0" cy="0"/>
+        </a:xfrm>
+      </p:grpSpPr>
+      <p:sp>
+        <p:nvSpPr>
+          <p:cNvPr id="2" name="כותרת 1">
+            <a:extLst>
+              <a:ext uri="{FF2B5EF4-FFF2-40B4-BE49-F238E27FC236}">
+                <a16:creationId xmlns:a16="http://schemas.microsoft.com/office/drawing/2014/main" id="{C26C86FC-F1CD-49E1-831A-6C50BD2138A9}"/>
+              </a:ext>
+            </a:extLst>
+          </p:cNvPr>
+          <p:cNvSpPr>
+            <a:spLocks noGrp="1"/>
+          </p:cNvSpPr>
+          <p:nvPr>
+            <p:ph type="title"/>
+          </p:nvPr>
+        </p:nvSpPr>
+        <p:spPr/>
+        <p:txBody>
+          <a:bodyPr/>
+          <a:lstStyle/>
+          <a:p>
+            <a:r>
+              <a:rPr lang="en-US" dirty="0"/>
+              <a:t>CSS – positions (float)</a:t>
+            </a:r>
+            <a:endParaRPr lang="he-IL" dirty="0"/>
+          </a:p>
+        </p:txBody>
+      </p:sp>
+      <p:sp>
+        <p:nvSpPr>
+          <p:cNvPr id="3" name="מציין מיקום תוכן 2">
+            <a:extLst>
+              <a:ext uri="{FF2B5EF4-FFF2-40B4-BE49-F238E27FC236}">
+                <a16:creationId xmlns:a16="http://schemas.microsoft.com/office/drawing/2014/main" id="{BC435BA6-1C82-4B21-B6CF-895F53BE234C}"/>
+              </a:ext>
+            </a:extLst>
+          </p:cNvPr>
+          <p:cNvSpPr>
+            <a:spLocks noGrp="1"/>
+          </p:cNvSpPr>
+          <p:nvPr>
+            <p:ph idx="1"/>
+          </p:nvPr>
+        </p:nvSpPr>
+        <p:spPr/>
+        <p:txBody>
+          <a:bodyPr/>
+          <a:lstStyle/>
+          <a:p>
+            <a:pPr algn="l" rtl="0"/>
+            <a:r>
+              <a:rPr lang="en-US" dirty="0"/>
+              <a:t>Float (right, left)</a:t>
+            </a:r>
+          </a:p>
+        </p:txBody>
+      </p:sp>
+    </p:spTree>
+    <p:extLst>
+      <p:ext uri="{BB962C8B-B14F-4D97-AF65-F5344CB8AC3E}">
+        <p14:creationId xmlns:p14="http://schemas.microsoft.com/office/powerpoint/2010/main" val="2627787459"/>
+      </p:ext>
+    </p:extLst>
+  </p:cSld>
+  <p:clrMapOvr>
+    <a:masterClrMapping/>
+  </p:clrMapOvr>
+</p:sld>
+</file>
+
+<file path=ppt/slides/slide8.xml><?xml version="1.0" encoding="utf-8"?>
 <p:sld xmlns:a="http://schemas.openxmlformats.org/drawingml/2006/main" xmlns:r="http://schemas.openxmlformats.org/officeDocument/2006/relationships" xmlns:p="http://schemas.openxmlformats.org/presentationml/2006/main">
   <p:cSld>
     <p:spTree>
@@ -7619,10 +7825,9 @@
           <a:p>
             <a:pPr algn="ctr"/>
             <a:r>
-              <a:rPr lang="en-US" sz="1400"/>
+              <a:rPr lang="en-US" sz="1400" dirty="0"/>
               <a:t>&lt;td&gt;</a:t>
             </a:r>
-            <a:endParaRPr lang="en-US" sz="1400" dirty="0"/>
           </a:p>
         </p:txBody>
       </p:sp>
@@ -7639,7 +7844,7 @@
 </p:sld>
 </file>
 
-<file path=ppt/slides/slide7.xml><?xml version="1.0" encoding="utf-8"?>
+<file path=ppt/slides/slide9.xml><?xml version="1.0" encoding="utf-8"?>
 <p:sld xmlns:a="http://schemas.openxmlformats.org/drawingml/2006/main" xmlns:r="http://schemas.openxmlformats.org/officeDocument/2006/relationships" xmlns:p="http://schemas.openxmlformats.org/presentationml/2006/main">
   <p:cSld>
     <p:spTree>

--- a/HTML/02 - CSS3/HTML CSS3.pptx
+++ b/HTML/02 - CSS3/HTML CSS3.pptx
@@ -7831,6 +7831,40 @@
           </a:p>
         </p:txBody>
       </p:sp>
+      <p:sp>
+        <p:nvSpPr>
+          <p:cNvPr id="3" name="מלבן 2">
+            <a:extLst>
+              <a:ext uri="{FF2B5EF4-FFF2-40B4-BE49-F238E27FC236}">
+                <a16:creationId xmlns:a16="http://schemas.microsoft.com/office/drawing/2014/main" id="{E4B84CD0-B83D-4F85-A479-E6D31E24EA86}"/>
+              </a:ext>
+            </a:extLst>
+          </p:cNvPr>
+          <p:cNvSpPr/>
+          <p:nvPr/>
+        </p:nvSpPr>
+        <p:spPr>
+          <a:xfrm>
+            <a:off x="3293682" y="5586046"/>
+            <a:ext cx="5785558" cy="369332"/>
+          </a:xfrm>
+          <a:prstGeom prst="rect">
+            <a:avLst/>
+          </a:prstGeom>
+        </p:spPr>
+        <p:txBody>
+          <a:bodyPr wrap="none">
+            <a:spAutoFit/>
+          </a:bodyPr>
+          <a:lstStyle/>
+          <a:p>
+            <a:r>
+              <a:rPr lang="en-US" dirty="0"/>
+              <a:t>https://www.w3schools.com/html/html_tables.asp</a:t>
+            </a:r>
+          </a:p>
+        </p:txBody>
+      </p:sp>
     </p:spTree>
     <p:extLst>
       <p:ext uri="{BB962C8B-B14F-4D97-AF65-F5344CB8AC3E}">

--- a/HTML/02 - CSS3/HTML CSS3.pptx
+++ b/HTML/02 - CSS3/HTML CSS3.pptx
@@ -11,8 +11,8 @@
     <p:sldId id="258" r:id="rId5"/>
     <p:sldId id="263" r:id="rId6"/>
     <p:sldId id="259" r:id="rId7"/>
-    <p:sldId id="264" r:id="rId8"/>
-    <p:sldId id="262" r:id="rId9"/>
+    <p:sldId id="262" r:id="rId8"/>
+    <p:sldId id="264" r:id="rId9"/>
     <p:sldId id="260" r:id="rId10"/>
   </p:sldIdLst>
   <p:sldSz cx="12192000" cy="6858000"/>
@@ -310,7 +310,7 @@
           <a:p>
             <a:fld id="{8C0E481A-6A09-48DA-A8F0-C923B352291E}" type="datetimeFigureOut">
               <a:rPr lang="he-IL" smtClean="0"/>
-              <a:t>י'/טבת/תשע"ח</a:t>
+              <a:t>ט"ו/טבת/תשע"ח</a:t>
             </a:fld>
             <a:endParaRPr lang="he-IL"/>
           </a:p>
@@ -585,7 +585,7 @@
           <a:p>
             <a:fld id="{8C0E481A-6A09-48DA-A8F0-C923B352291E}" type="datetimeFigureOut">
               <a:rPr lang="he-IL" smtClean="0"/>
-              <a:t>י'/טבת/תשע"ח</a:t>
+              <a:t>ט"ו/טבת/תשע"ח</a:t>
             </a:fld>
             <a:endParaRPr lang="he-IL"/>
           </a:p>
@@ -779,7 +779,7 @@
           <a:p>
             <a:fld id="{8C0E481A-6A09-48DA-A8F0-C923B352291E}" type="datetimeFigureOut">
               <a:rPr lang="he-IL" smtClean="0"/>
-              <a:t>י'/טבת/תשע"ח</a:t>
+              <a:t>ט"ו/טבת/תשע"ח</a:t>
             </a:fld>
             <a:endParaRPr lang="he-IL"/>
           </a:p>
@@ -1050,7 +1050,7 @@
           <a:p>
             <a:fld id="{8C0E481A-6A09-48DA-A8F0-C923B352291E}" type="datetimeFigureOut">
               <a:rPr lang="he-IL" smtClean="0"/>
-              <a:t>י'/טבת/תשע"ח</a:t>
+              <a:t>ט"ו/טבת/תשע"ח</a:t>
             </a:fld>
             <a:endParaRPr lang="he-IL"/>
           </a:p>
@@ -1377,7 +1377,7 @@
           <a:p>
             <a:fld id="{8C0E481A-6A09-48DA-A8F0-C923B352291E}" type="datetimeFigureOut">
               <a:rPr lang="he-IL" smtClean="0"/>
-              <a:t>י'/טבת/תשע"ח</a:t>
+              <a:t>ט"ו/טבת/תשע"ח</a:t>
             </a:fld>
             <a:endParaRPr lang="he-IL"/>
           </a:p>
@@ -1996,7 +1996,7 @@
           <a:p>
             <a:fld id="{8C0E481A-6A09-48DA-A8F0-C923B352291E}" type="datetimeFigureOut">
               <a:rPr lang="he-IL" smtClean="0"/>
-              <a:t>י'/טבת/תשע"ח</a:t>
+              <a:t>ט"ו/טבת/תשע"ח</a:t>
             </a:fld>
             <a:endParaRPr lang="he-IL"/>
           </a:p>
@@ -2843,7 +2843,7 @@
           <a:p>
             <a:fld id="{8C0E481A-6A09-48DA-A8F0-C923B352291E}" type="datetimeFigureOut">
               <a:rPr lang="he-IL" smtClean="0"/>
-              <a:t>י'/טבת/תשע"ח</a:t>
+              <a:t>ט"ו/טבת/תשע"ח</a:t>
             </a:fld>
             <a:endParaRPr lang="he-IL"/>
           </a:p>
@@ -3013,7 +3013,7 @@
           <a:p>
             <a:fld id="{8C0E481A-6A09-48DA-A8F0-C923B352291E}" type="datetimeFigureOut">
               <a:rPr lang="he-IL" smtClean="0"/>
-              <a:t>י'/טבת/תשע"ח</a:t>
+              <a:t>ט"ו/טבת/תשע"ח</a:t>
             </a:fld>
             <a:endParaRPr lang="he-IL"/>
           </a:p>
@@ -3193,7 +3193,7 @@
           <a:p>
             <a:fld id="{8C0E481A-6A09-48DA-A8F0-C923B352291E}" type="datetimeFigureOut">
               <a:rPr lang="he-IL" smtClean="0"/>
-              <a:t>י'/טבת/תשע"ח</a:t>
+              <a:t>ט"ו/טבת/תשע"ח</a:t>
             </a:fld>
             <a:endParaRPr lang="he-IL"/>
           </a:p>
@@ -3363,7 +3363,7 @@
           <a:p>
             <a:fld id="{8C0E481A-6A09-48DA-A8F0-C923B352291E}" type="datetimeFigureOut">
               <a:rPr lang="he-IL" smtClean="0"/>
-              <a:t>י'/טבת/תשע"ח</a:t>
+              <a:t>ט"ו/טבת/תשע"ח</a:t>
             </a:fld>
             <a:endParaRPr lang="he-IL"/>
           </a:p>
@@ -3610,7 +3610,7 @@
           <a:p>
             <a:fld id="{8C0E481A-6A09-48DA-A8F0-C923B352291E}" type="datetimeFigureOut">
               <a:rPr lang="he-IL" smtClean="0"/>
-              <a:t>י'/טבת/תשע"ח</a:t>
+              <a:t>ט"ו/טבת/תשע"ח</a:t>
             </a:fld>
             <a:endParaRPr lang="he-IL"/>
           </a:p>
@@ -3902,7 +3902,7 @@
           <a:p>
             <a:fld id="{8C0E481A-6A09-48DA-A8F0-C923B352291E}" type="datetimeFigureOut">
               <a:rPr lang="he-IL" smtClean="0"/>
-              <a:t>י'/טבת/תשע"ח</a:t>
+              <a:t>ט"ו/טבת/תשע"ח</a:t>
             </a:fld>
             <a:endParaRPr lang="he-IL"/>
           </a:p>
@@ -4346,7 +4346,7 @@
           <a:p>
             <a:fld id="{8C0E481A-6A09-48DA-A8F0-C923B352291E}" type="datetimeFigureOut">
               <a:rPr lang="he-IL" smtClean="0"/>
-              <a:t>י'/טבת/תשע"ח</a:t>
+              <a:t>ט"ו/טבת/תשע"ח</a:t>
             </a:fld>
             <a:endParaRPr lang="he-IL"/>
           </a:p>
@@ -4464,7 +4464,7 @@
           <a:p>
             <a:fld id="{8C0E481A-6A09-48DA-A8F0-C923B352291E}" type="datetimeFigureOut">
               <a:rPr lang="he-IL" smtClean="0"/>
-              <a:t>י'/טבת/תשע"ח</a:t>
+              <a:t>ט"ו/טבת/תשע"ח</a:t>
             </a:fld>
             <a:endParaRPr lang="he-IL"/>
           </a:p>
@@ -4559,7 +4559,7 @@
           <a:p>
             <a:fld id="{8C0E481A-6A09-48DA-A8F0-C923B352291E}" type="datetimeFigureOut">
               <a:rPr lang="he-IL" smtClean="0"/>
-              <a:t>י'/טבת/תשע"ח</a:t>
+              <a:t>ט"ו/טבת/תשע"ח</a:t>
             </a:fld>
             <a:endParaRPr lang="he-IL"/>
           </a:p>
@@ -4838,7 +4838,7 @@
           <a:p>
             <a:fld id="{8C0E481A-6A09-48DA-A8F0-C923B352291E}" type="datetimeFigureOut">
               <a:rPr lang="he-IL" smtClean="0"/>
-              <a:t>י'/טבת/תשע"ח</a:t>
+              <a:t>ט"ו/טבת/תשע"ח</a:t>
             </a:fld>
             <a:endParaRPr lang="he-IL"/>
           </a:p>
@@ -5113,7 +5113,7 @@
           <a:p>
             <a:fld id="{8C0E481A-6A09-48DA-A8F0-C923B352291E}" type="datetimeFigureOut">
               <a:rPr lang="he-IL" smtClean="0"/>
-              <a:t>י'/טבת/תשע"ח</a:t>
+              <a:t>ט"ו/טבת/תשע"ח</a:t>
             </a:fld>
             <a:endParaRPr lang="he-IL"/>
           </a:p>
@@ -5536,7 +5536,7 @@
           <a:p>
             <a:fld id="{8C0E481A-6A09-48DA-A8F0-C923B352291E}" type="datetimeFigureOut">
               <a:rPr lang="he-IL" smtClean="0"/>
-              <a:t>י'/טבת/תשע"ח</a:t>
+              <a:t>ט"ו/טבת/תשע"ח</a:t>
             </a:fld>
             <a:endParaRPr lang="he-IL"/>
           </a:p>
@@ -6872,94 +6872,6 @@
           <p:cNvPr id="2" name="כותרת 1">
             <a:extLst>
               <a:ext uri="{FF2B5EF4-FFF2-40B4-BE49-F238E27FC236}">
-                <a16:creationId xmlns:a16="http://schemas.microsoft.com/office/drawing/2014/main" id="{C26C86FC-F1CD-49E1-831A-6C50BD2138A9}"/>
-              </a:ext>
-            </a:extLst>
-          </p:cNvPr>
-          <p:cNvSpPr>
-            <a:spLocks noGrp="1"/>
-          </p:cNvSpPr>
-          <p:nvPr>
-            <p:ph type="title"/>
-          </p:nvPr>
-        </p:nvSpPr>
-        <p:spPr/>
-        <p:txBody>
-          <a:bodyPr/>
-          <a:lstStyle/>
-          <a:p>
-            <a:r>
-              <a:rPr lang="en-US" dirty="0"/>
-              <a:t>CSS – positions (float)</a:t>
-            </a:r>
-            <a:endParaRPr lang="he-IL" dirty="0"/>
-          </a:p>
-        </p:txBody>
-      </p:sp>
-      <p:sp>
-        <p:nvSpPr>
-          <p:cNvPr id="3" name="מציין מיקום תוכן 2">
-            <a:extLst>
-              <a:ext uri="{FF2B5EF4-FFF2-40B4-BE49-F238E27FC236}">
-                <a16:creationId xmlns:a16="http://schemas.microsoft.com/office/drawing/2014/main" id="{BC435BA6-1C82-4B21-B6CF-895F53BE234C}"/>
-              </a:ext>
-            </a:extLst>
-          </p:cNvPr>
-          <p:cNvSpPr>
-            <a:spLocks noGrp="1"/>
-          </p:cNvSpPr>
-          <p:nvPr>
-            <p:ph idx="1"/>
-          </p:nvPr>
-        </p:nvSpPr>
-        <p:spPr/>
-        <p:txBody>
-          <a:bodyPr/>
-          <a:lstStyle/>
-          <a:p>
-            <a:pPr algn="l" rtl="0"/>
-            <a:r>
-              <a:rPr lang="en-US" dirty="0"/>
-              <a:t>Float (right, left)</a:t>
-            </a:r>
-          </a:p>
-        </p:txBody>
-      </p:sp>
-    </p:spTree>
-    <p:extLst>
-      <p:ext uri="{BB962C8B-B14F-4D97-AF65-F5344CB8AC3E}">
-        <p14:creationId xmlns:p14="http://schemas.microsoft.com/office/powerpoint/2010/main" val="2627787459"/>
-      </p:ext>
-    </p:extLst>
-  </p:cSld>
-  <p:clrMapOvr>
-    <a:masterClrMapping/>
-  </p:clrMapOvr>
-</p:sld>
-</file>
-
-<file path=ppt/slides/slide8.xml><?xml version="1.0" encoding="utf-8"?>
-<p:sld xmlns:a="http://schemas.openxmlformats.org/drawingml/2006/main" xmlns:r="http://schemas.openxmlformats.org/officeDocument/2006/relationships" xmlns:p="http://schemas.openxmlformats.org/presentationml/2006/main">
-  <p:cSld>
-    <p:spTree>
-      <p:nvGrpSpPr>
-        <p:cNvPr id="1" name=""/>
-        <p:cNvGrpSpPr/>
-        <p:nvPr/>
-      </p:nvGrpSpPr>
-      <p:grpSpPr>
-        <a:xfrm>
-          <a:off x="0" y="0"/>
-          <a:ext cx="0" cy="0"/>
-          <a:chOff x="0" y="0"/>
-          <a:chExt cx="0" cy="0"/>
-        </a:xfrm>
-      </p:grpSpPr>
-      <p:sp>
-        <p:nvSpPr>
-          <p:cNvPr id="2" name="כותרת 1">
-            <a:extLst>
-              <a:ext uri="{FF2B5EF4-FFF2-40B4-BE49-F238E27FC236}">
                 <a16:creationId xmlns:a16="http://schemas.microsoft.com/office/drawing/2014/main" id="{018DF6E9-6A4F-40FF-9A02-209EA7E92A28}"/>
               </a:ext>
             </a:extLst>
@@ -7878,6 +7790,94 @@
 </p:sld>
 </file>
 
+<file path=ppt/slides/slide8.xml><?xml version="1.0" encoding="utf-8"?>
+<p:sld xmlns:a="http://schemas.openxmlformats.org/drawingml/2006/main" xmlns:r="http://schemas.openxmlformats.org/officeDocument/2006/relationships" xmlns:p="http://schemas.openxmlformats.org/presentationml/2006/main">
+  <p:cSld>
+    <p:spTree>
+      <p:nvGrpSpPr>
+        <p:cNvPr id="1" name=""/>
+        <p:cNvGrpSpPr/>
+        <p:nvPr/>
+      </p:nvGrpSpPr>
+      <p:grpSpPr>
+        <a:xfrm>
+          <a:off x="0" y="0"/>
+          <a:ext cx="0" cy="0"/>
+          <a:chOff x="0" y="0"/>
+          <a:chExt cx="0" cy="0"/>
+        </a:xfrm>
+      </p:grpSpPr>
+      <p:sp>
+        <p:nvSpPr>
+          <p:cNvPr id="2" name="כותרת 1">
+            <a:extLst>
+              <a:ext uri="{FF2B5EF4-FFF2-40B4-BE49-F238E27FC236}">
+                <a16:creationId xmlns:a16="http://schemas.microsoft.com/office/drawing/2014/main" id="{C26C86FC-F1CD-49E1-831A-6C50BD2138A9}"/>
+              </a:ext>
+            </a:extLst>
+          </p:cNvPr>
+          <p:cNvSpPr>
+            <a:spLocks noGrp="1"/>
+          </p:cNvSpPr>
+          <p:nvPr>
+            <p:ph type="title"/>
+          </p:nvPr>
+        </p:nvSpPr>
+        <p:spPr/>
+        <p:txBody>
+          <a:bodyPr/>
+          <a:lstStyle/>
+          <a:p>
+            <a:r>
+              <a:rPr lang="en-US" dirty="0"/>
+              <a:t>CSS – positions (float)</a:t>
+            </a:r>
+            <a:endParaRPr lang="he-IL" dirty="0"/>
+          </a:p>
+        </p:txBody>
+      </p:sp>
+      <p:sp>
+        <p:nvSpPr>
+          <p:cNvPr id="3" name="מציין מיקום תוכן 2">
+            <a:extLst>
+              <a:ext uri="{FF2B5EF4-FFF2-40B4-BE49-F238E27FC236}">
+                <a16:creationId xmlns:a16="http://schemas.microsoft.com/office/drawing/2014/main" id="{BC435BA6-1C82-4B21-B6CF-895F53BE234C}"/>
+              </a:ext>
+            </a:extLst>
+          </p:cNvPr>
+          <p:cNvSpPr>
+            <a:spLocks noGrp="1"/>
+          </p:cNvSpPr>
+          <p:nvPr>
+            <p:ph idx="1"/>
+          </p:nvPr>
+        </p:nvSpPr>
+        <p:spPr/>
+        <p:txBody>
+          <a:bodyPr/>
+          <a:lstStyle/>
+          <a:p>
+            <a:pPr algn="l" rtl="0"/>
+            <a:r>
+              <a:rPr lang="en-US" dirty="0"/>
+              <a:t>Float (right, left)</a:t>
+            </a:r>
+          </a:p>
+        </p:txBody>
+      </p:sp>
+    </p:spTree>
+    <p:extLst>
+      <p:ext uri="{BB962C8B-B14F-4D97-AF65-F5344CB8AC3E}">
+        <p14:creationId xmlns:p14="http://schemas.microsoft.com/office/powerpoint/2010/main" val="2627787459"/>
+      </p:ext>
+    </p:extLst>
+  </p:cSld>
+  <p:clrMapOvr>
+    <a:masterClrMapping/>
+  </p:clrMapOvr>
+</p:sld>
+</file>
+
 <file path=ppt/slides/slide9.xml><?xml version="1.0" encoding="utf-8"?>
 <p:sld xmlns:a="http://schemas.openxmlformats.org/drawingml/2006/main" xmlns:r="http://schemas.openxmlformats.org/officeDocument/2006/relationships" xmlns:p="http://schemas.openxmlformats.org/presentationml/2006/main">
   <p:cSld>
